--- a/src/5508-simon-m05-video-metadata.pptx
+++ b/src/5508-simon-m05-video-metadata.pptx
@@ -13,7 +13,6 @@
     <p:sldId id="261" r:id="rId7"/>
     <p:sldId id="262" r:id="rId8"/>
     <p:sldId id="263" r:id="rId9"/>
-    <p:sldId id="264" r:id="rId10"/>
   </p:sldIdLst>
   <p:sldSz cx="9144000" cy="6858000" type="screen4x3"/>
   <p:notesSz cx="6858000" cy="9144000"/>
@@ -4165,126 +4164,6 @@
             <a:r>
               <a:rPr/>
               <a:t>pragma tablejnfo (SQLite)</a:t>
-            </a:r>
-          </a:p>
-        </p:txBody>
-      </p:sp>
-    </p:spTree>
-  </p:cSld>
-</p:sld>
-</file>
-
-<file path=ppt/slides/slide9.xml><?xml version="1.0" encoding="utf-8"?>
-<p:sld xmlns:a="http://schemas.openxmlformats.org/drawingml/2006/main" xmlns:r="http://schemas.openxmlformats.org/officeDocument/2006/relationships" xmlns:p="http://schemas.openxmlformats.org/presentationml/2006/main">
-  <p:cSld>
-    <p:spTree>
-      <p:nvGrpSpPr>
-        <p:cNvPr id="1" name=""/>
-        <p:cNvGrpSpPr/>
-        <p:nvPr/>
-      </p:nvGrpSpPr>
-      <p:grpSpPr>
-        <a:xfrm>
-          <a:off x="0" y="0"/>
-          <a:ext cx="0" cy="0"/>
-          <a:chOff x="0" y="0"/>
-          <a:chExt cx="0" cy="0"/>
-        </a:xfrm>
-      </p:grpSpPr>
-      <p:sp>
-        <p:nvSpPr>
-          <p:cNvPr id="2" name="Title 1"/>
-          <p:cNvSpPr>
-            <a:spLocks noGrp="1"/>
-          </p:cNvSpPr>
-          <p:nvPr>
-            <p:ph type="title"/>
-          </p:nvPr>
-        </p:nvSpPr>
-        <p:spPr/>
-        <p:txBody>
-          <a:bodyPr/>
-          <a:lstStyle/>
-          <a:p>
-            <a:pPr lvl="0" marL="0" indent="0">
-              <a:buNone/>
-            </a:pPr>
-            <a:r>
-              <a:rPr/>
-              <a:t>Your</a:t>
-            </a:r>
-            <a:r>
-              <a:rPr/>
-              <a:t> </a:t>
-            </a:r>
-            <a:r>
-              <a:rPr/>
-              <a:t>homework</a:t>
-            </a:r>
-          </a:p>
-        </p:txBody>
-      </p:sp>
-      <p:sp>
-        <p:nvSpPr>
-          <p:cNvPr id="3" name="Content Placeholder 2"/>
-          <p:cNvSpPr>
-            <a:spLocks noGrp="1"/>
-          </p:cNvSpPr>
-          <p:nvPr>
-            <p:ph idx="1"/>
-          </p:nvPr>
-        </p:nvSpPr>
-        <p:spPr/>
-        <p:txBody>
-          <a:bodyPr/>
-          <a:lstStyle/>
-          <a:p>
-            <a:pPr lvl="1"/>
-            <a:r>
-              <a:rPr/>
-              <a:t>Pick a database (any database)</a:t>
-            </a:r>
-          </a:p>
-          <a:p>
-            <a:pPr lvl="2"/>
-            <a:r>
-              <a:rPr/>
-              <a:t>Use one of the approaches shown above to list all the table names.</a:t>
-            </a:r>
-          </a:p>
-          <a:p>
-            <a:pPr lvl="1"/>
-            <a:r>
-              <a:rPr/>
-              <a:t>Pick a table (any table)</a:t>
-            </a:r>
-          </a:p>
-          <a:p>
-            <a:pPr lvl="2"/>
-            <a:r>
-              <a:rPr/>
-              <a:t>Use one of the approaches shown above to list all the field names.</a:t>
-            </a:r>
-          </a:p>
-          <a:p>
-            <a:pPr lvl="1"/>
-            <a:r>
-              <a:rPr/>
-              <a:t>Do an Internet search on a database other than Oracle and SQLite.</a:t>
-            </a:r>
-          </a:p>
-          <a:p>
-            <a:pPr lvl="2"/>
-            <a:r>
-              <a:rPr/>
-              <a:t>Document how you get a list of all the table names in that database.</a:t>
-            </a:r>
-          </a:p>
-          <a:p>
-            <a:pPr lvl="1"/>
-            <a:r>
-              <a:rPr/>
-              <a:t>Submit your results in a single PDF file.</a:t>
             </a:r>
           </a:p>
         </p:txBody>
